--- a/images/ter_init_stimulators.pptx
+++ b/images/ter_init_stimulators.pptx
@@ -208,7 +208,7 @@
           <a:p>
             <a:fld id="{C571D33F-B151-5442-9D79-DA0A881D815F}" type="datetimeFigureOut">
               <a:rPr lang="en-US" smtClean="0"/>
-              <a:t>7/26/22</a:t>
+              <a:t>8/19/22</a:t>
             </a:fld>
             <a:endParaRPr lang="en-US"/>
           </a:p>
@@ -561,6 +561,12 @@
           <a:p>
             <a:r>
               <a:rPr lang="en-US" dirty="0"/>
+              <a:t>14-19:yellow</a:t>
+            </a:r>
+          </a:p>
+          <a:p>
+            <a:r>
+              <a:rPr lang="en-US" dirty="0"/>
               <a:t>27-29:red</a:t>
             </a:r>
           </a:p>
@@ -618,6 +624,29 @@
             <a:endParaRPr lang="en-US" dirty="0"/>
           </a:p>
           <a:p>
+            <a:pPr marL="0" marR="0" lvl="0" indent="0" algn="l" defTabSz="703974" rtl="0" eaLnBrk="1" fontAlgn="auto" latinLnBrk="0" hangingPunct="1">
+              <a:lnSpc>
+                <a:spcPct val="100000"/>
+              </a:lnSpc>
+              <a:spcBef>
+                <a:spcPts val="0"/>
+              </a:spcBef>
+              <a:spcAft>
+                <a:spcPts val="0"/>
+              </a:spcAft>
+              <a:buClrTx/>
+              <a:buSzTx/>
+              <a:buFontTx/>
+              <a:buNone/>
+              <a:tabLst/>
+              <a:defRPr/>
+            </a:pPr>
+            <a:r>
+              <a:rPr lang="en-US" dirty="0"/>
+              <a:t>12-18:yellow</a:t>
+            </a:r>
+          </a:p>
+          <a:p>
             <a:r>
               <a:rPr lang="en-US" dirty="0"/>
               <a:t>27-29:red</a:t>
@@ -669,6 +698,29 @@
             <a:endParaRPr lang="en-US" dirty="0"/>
           </a:p>
           <a:p>
+            <a:pPr marL="0" marR="0" lvl="0" indent="0" algn="l" defTabSz="703974" rtl="0" eaLnBrk="1" fontAlgn="auto" latinLnBrk="0" hangingPunct="1">
+              <a:lnSpc>
+                <a:spcPct val="100000"/>
+              </a:lnSpc>
+              <a:spcBef>
+                <a:spcPts val="0"/>
+              </a:spcBef>
+              <a:spcAft>
+                <a:spcPts val="0"/>
+              </a:spcAft>
+              <a:buClrTx/>
+              <a:buSzTx/>
+              <a:buFontTx/>
+              <a:buNone/>
+              <a:tabLst/>
+              <a:defRPr/>
+            </a:pPr>
+            <a:r>
+              <a:rPr lang="en-US" dirty="0"/>
+              <a:t>14-19:yellow</a:t>
+            </a:r>
+          </a:p>
+          <a:p>
             <a:r>
               <a:rPr lang="en-US" dirty="0"/>
               <a:t>27-29:red</a:t>
@@ -725,6 +777,29 @@
             <a:endParaRPr lang="en-US" dirty="0"/>
           </a:p>
           <a:p>
+            <a:pPr marL="0" marR="0" lvl="0" indent="0" algn="l" defTabSz="703974" rtl="0" eaLnBrk="1" fontAlgn="auto" latinLnBrk="0" hangingPunct="1">
+              <a:lnSpc>
+                <a:spcPct val="100000"/>
+              </a:lnSpc>
+              <a:spcBef>
+                <a:spcPts val="0"/>
+              </a:spcBef>
+              <a:spcAft>
+                <a:spcPts val="0"/>
+              </a:spcAft>
+              <a:buClrTx/>
+              <a:buSzTx/>
+              <a:buFontTx/>
+              <a:buNone/>
+              <a:tabLst/>
+              <a:defRPr/>
+            </a:pPr>
+            <a:r>
+              <a:rPr lang="en-US" dirty="0"/>
+              <a:t>14-19:yellow</a:t>
+            </a:r>
+          </a:p>
+          <a:p>
             <a:r>
               <a:rPr lang="en-US" dirty="0"/>
               <a:t>27-29:red</a:t>
@@ -738,7 +813,7 @@
           </a:p>
           <a:p>
             <a:r>
-              <a:rPr lang="en-US"/>
+              <a:rPr lang="en-US" dirty="0"/>
               <a:t>34-36:green</a:t>
             </a:r>
           </a:p>
@@ -962,7 +1037,7 @@
           <a:p>
             <a:fld id="{01197F44-DB72-474A-9754-31703E05C006}" type="datetimeFigureOut">
               <a:rPr lang="en-US" smtClean="0"/>
-              <a:t>7/26/22</a:t>
+              <a:t>8/19/22</a:t>
             </a:fld>
             <a:endParaRPr lang="en-US"/>
           </a:p>
@@ -1130,7 +1205,7 @@
           <a:p>
             <a:fld id="{01197F44-DB72-474A-9754-31703E05C006}" type="datetimeFigureOut">
               <a:rPr lang="en-US" smtClean="0"/>
-              <a:t>7/26/22</a:t>
+              <a:t>8/19/22</a:t>
             </a:fld>
             <a:endParaRPr lang="en-US"/>
           </a:p>
@@ -1308,7 +1383,7 @@
           <a:p>
             <a:fld id="{01197F44-DB72-474A-9754-31703E05C006}" type="datetimeFigureOut">
               <a:rPr lang="en-US" smtClean="0"/>
-              <a:t>7/26/22</a:t>
+              <a:t>8/19/22</a:t>
             </a:fld>
             <a:endParaRPr lang="en-US"/>
           </a:p>
@@ -1476,7 +1551,7 @@
           <a:p>
             <a:fld id="{01197F44-DB72-474A-9754-31703E05C006}" type="datetimeFigureOut">
               <a:rPr lang="en-US" smtClean="0"/>
-              <a:t>7/26/22</a:t>
+              <a:t>8/19/22</a:t>
             </a:fld>
             <a:endParaRPr lang="en-US"/>
           </a:p>
@@ -1721,7 +1796,7 @@
           <a:p>
             <a:fld id="{01197F44-DB72-474A-9754-31703E05C006}" type="datetimeFigureOut">
               <a:rPr lang="en-US" smtClean="0"/>
-              <a:t>7/26/22</a:t>
+              <a:t>8/19/22</a:t>
             </a:fld>
             <a:endParaRPr lang="en-US"/>
           </a:p>
@@ -2006,7 +2081,7 @@
           <a:p>
             <a:fld id="{01197F44-DB72-474A-9754-31703E05C006}" type="datetimeFigureOut">
               <a:rPr lang="en-US" smtClean="0"/>
-              <a:t>7/26/22</a:t>
+              <a:t>8/19/22</a:t>
             </a:fld>
             <a:endParaRPr lang="en-US"/>
           </a:p>
@@ -2425,7 +2500,7 @@
           <a:p>
             <a:fld id="{01197F44-DB72-474A-9754-31703E05C006}" type="datetimeFigureOut">
               <a:rPr lang="en-US" smtClean="0"/>
-              <a:t>7/26/22</a:t>
+              <a:t>8/19/22</a:t>
             </a:fld>
             <a:endParaRPr lang="en-US"/>
           </a:p>
@@ -2542,7 +2617,7 @@
           <a:p>
             <a:fld id="{01197F44-DB72-474A-9754-31703E05C006}" type="datetimeFigureOut">
               <a:rPr lang="en-US" smtClean="0"/>
-              <a:t>7/26/22</a:t>
+              <a:t>8/19/22</a:t>
             </a:fld>
             <a:endParaRPr lang="en-US"/>
           </a:p>
@@ -2637,7 +2712,7 @@
           <a:p>
             <a:fld id="{01197F44-DB72-474A-9754-31703E05C006}" type="datetimeFigureOut">
               <a:rPr lang="en-US" smtClean="0"/>
-              <a:t>7/26/22</a:t>
+              <a:t>8/19/22</a:t>
             </a:fld>
             <a:endParaRPr lang="en-US"/>
           </a:p>
@@ -2912,7 +2987,7 @@
           <a:p>
             <a:fld id="{01197F44-DB72-474A-9754-31703E05C006}" type="datetimeFigureOut">
               <a:rPr lang="en-US" smtClean="0"/>
-              <a:t>7/26/22</a:t>
+              <a:t>8/19/22</a:t>
             </a:fld>
             <a:endParaRPr lang="en-US"/>
           </a:p>
@@ -3164,7 +3239,7 @@
           <a:p>
             <a:fld id="{01197F44-DB72-474A-9754-31703E05C006}" type="datetimeFigureOut">
               <a:rPr lang="en-US" smtClean="0"/>
-              <a:t>7/26/22</a:t>
+              <a:t>8/19/22</a:t>
             </a:fld>
             <a:endParaRPr lang="en-US"/>
           </a:p>
@@ -3375,7 +3450,7 @@
           <a:p>
             <a:fld id="{01197F44-DB72-474A-9754-31703E05C006}" type="datetimeFigureOut">
               <a:rPr lang="en-US" smtClean="0"/>
-              <a:t>7/26/22</a:t>
+              <a:t>8/19/22</a:t>
             </a:fld>
             <a:endParaRPr lang="en-US"/>
           </a:p>
@@ -3752,10 +3827,10 @@
       </p:grpSpPr>
       <p:pic>
         <p:nvPicPr>
-          <p:cNvPr id="28" name="Picture 27">
+          <p:cNvPr id="6" name="Picture 5">
             <a:extLst>
               <a:ext uri="{FF2B5EF4-FFF2-40B4-BE49-F238E27FC236}">
-                <a16:creationId xmlns:a16="http://schemas.microsoft.com/office/drawing/2014/main" id="{043E594F-5A24-9840-859F-64674CF50AEA}"/>
+                <a16:creationId xmlns:a16="http://schemas.microsoft.com/office/drawing/2014/main" id="{236BC4DD-53E1-1D4A-BB0D-DBF74CDF6268}"/>
               </a:ext>
             </a:extLst>
           </p:cNvPr>
@@ -3772,90 +3847,20 @@
         </p:blipFill>
         <p:spPr>
           <a:xfrm>
-            <a:off x="3530210" y="0"/>
-            <a:ext cx="2824330" cy="1519418"/>
+            <a:off x="3707793" y="2410596"/>
+            <a:ext cx="2531165" cy="1469921"/>
           </a:xfrm>
           <a:prstGeom prst="rect">
             <a:avLst/>
           </a:prstGeom>
         </p:spPr>
       </p:pic>
-      <p:sp>
-        <p:nvSpPr>
-          <p:cNvPr id="29" name="TextBox 28">
+      <p:pic>
+        <p:nvPicPr>
+          <p:cNvPr id="5" name="Picture 4">
             <a:extLst>
               <a:ext uri="{FF2B5EF4-FFF2-40B4-BE49-F238E27FC236}">
-                <a16:creationId xmlns:a16="http://schemas.microsoft.com/office/drawing/2014/main" id="{2314A392-F8CD-6647-951E-B5F5094948D7}"/>
-              </a:ext>
-            </a:extLst>
-          </p:cNvPr>
-          <p:cNvSpPr txBox="1"/>
-          <p:nvPr/>
-        </p:nvSpPr>
-        <p:spPr>
-          <a:xfrm>
-            <a:off x="756657" y="5423"/>
-            <a:ext cx="2245259" cy="299634"/>
-          </a:xfrm>
-          <a:prstGeom prst="rect">
-            <a:avLst/>
-          </a:prstGeom>
-          <a:noFill/>
-        </p:spPr>
-        <p:txBody>
-          <a:bodyPr wrap="square" rtlCol="0">
-            <a:spAutoFit/>
-          </a:bodyPr>
-          <a:lstStyle/>
-          <a:p>
-            <a:r>
-              <a:rPr lang="en-US" b="1" dirty="0"/>
-              <a:t>phiHau3 (g6/g7)</a:t>
-            </a:r>
-          </a:p>
-        </p:txBody>
-      </p:sp>
-      <p:sp>
-        <p:nvSpPr>
-          <p:cNvPr id="30" name="TextBox 29">
-            <a:extLst>
-              <a:ext uri="{FF2B5EF4-FFF2-40B4-BE49-F238E27FC236}">
-                <a16:creationId xmlns:a16="http://schemas.microsoft.com/office/drawing/2014/main" id="{345E5BD1-B7F8-E845-BD57-E70C6A8431E3}"/>
-              </a:ext>
-            </a:extLst>
-          </p:cNvPr>
-          <p:cNvSpPr txBox="1"/>
-          <p:nvPr/>
-        </p:nvSpPr>
-        <p:spPr>
-          <a:xfrm>
-            <a:off x="4540980" y="0"/>
-            <a:ext cx="1469131" cy="299634"/>
-          </a:xfrm>
-          <a:prstGeom prst="rect">
-            <a:avLst/>
-          </a:prstGeom>
-          <a:noFill/>
-        </p:spPr>
-        <p:txBody>
-          <a:bodyPr wrap="square" rtlCol="0">
-            <a:spAutoFit/>
-          </a:bodyPr>
-          <a:lstStyle/>
-          <a:p>
-            <a:r>
-              <a:rPr lang="en-US" b="1" dirty="0"/>
-              <a:t>phiHau3 (g7/g8)</a:t>
-            </a:r>
-          </a:p>
-        </p:txBody>
-      </p:sp>
-      <p:pic>
-        <p:nvPicPr>
-          <p:cNvPr id="31" name="Picture 30">
-            <a:extLst>
-              <a:ext uri="{FF2B5EF4-FFF2-40B4-BE49-F238E27FC236}">
-                <a16:creationId xmlns:a16="http://schemas.microsoft.com/office/drawing/2014/main" id="{335A4A38-8731-B04E-9BFA-C9305C74143F}"/>
+                <a16:creationId xmlns:a16="http://schemas.microsoft.com/office/drawing/2014/main" id="{C2A6B6FB-C2EE-264D-AA79-C9E5FB1C52EE}"/>
               </a:ext>
             </a:extLst>
           </p:cNvPr>
@@ -3872,8 +3877,8 @@
         </p:blipFill>
         <p:spPr>
           <a:xfrm>
-            <a:off x="43572" y="256950"/>
-            <a:ext cx="2827020" cy="824423"/>
+            <a:off x="45785" y="2057400"/>
+            <a:ext cx="3037821" cy="2057400"/>
           </a:xfrm>
           <a:prstGeom prst="rect">
             <a:avLst/>
@@ -3882,10 +3887,10 @@
       </p:pic>
       <p:pic>
         <p:nvPicPr>
-          <p:cNvPr id="32" name="Picture 31">
+          <p:cNvPr id="4" name="Picture 3">
             <a:extLst>
               <a:ext uri="{FF2B5EF4-FFF2-40B4-BE49-F238E27FC236}">
-                <a16:creationId xmlns:a16="http://schemas.microsoft.com/office/drawing/2014/main" id="{A02479DC-2B95-B042-9FC3-B6058D5A12B9}"/>
+                <a16:creationId xmlns:a16="http://schemas.microsoft.com/office/drawing/2014/main" id="{2B296771-8A49-DB4E-A0FF-14751651E672}"/>
               </a:ext>
             </a:extLst>
           </p:cNvPr>
@@ -3902,14 +3907,84 @@
         </p:blipFill>
         <p:spPr>
           <a:xfrm>
-            <a:off x="43572" y="2241473"/>
-            <a:ext cx="2827020" cy="1873327"/>
+            <a:off x="3549099" y="0"/>
+            <a:ext cx="2851701" cy="1505369"/>
           </a:xfrm>
           <a:prstGeom prst="rect">
             <a:avLst/>
           </a:prstGeom>
         </p:spPr>
       </p:pic>
+      <p:sp>
+        <p:nvSpPr>
+          <p:cNvPr id="29" name="TextBox 28">
+            <a:extLst>
+              <a:ext uri="{FF2B5EF4-FFF2-40B4-BE49-F238E27FC236}">
+                <a16:creationId xmlns:a16="http://schemas.microsoft.com/office/drawing/2014/main" id="{2314A392-F8CD-6647-951E-B5F5094948D7}"/>
+              </a:ext>
+            </a:extLst>
+          </p:cNvPr>
+          <p:cNvSpPr txBox="1"/>
+          <p:nvPr/>
+        </p:nvSpPr>
+        <p:spPr>
+          <a:xfrm>
+            <a:off x="756657" y="5423"/>
+            <a:ext cx="2245259" cy="299634"/>
+          </a:xfrm>
+          <a:prstGeom prst="rect">
+            <a:avLst/>
+          </a:prstGeom>
+          <a:noFill/>
+        </p:spPr>
+        <p:txBody>
+          <a:bodyPr wrap="square" rtlCol="0">
+            <a:spAutoFit/>
+          </a:bodyPr>
+          <a:lstStyle/>
+          <a:p>
+            <a:r>
+              <a:rPr lang="en-US" b="1" dirty="0"/>
+              <a:t>phiHau3 (g6/g7)</a:t>
+            </a:r>
+          </a:p>
+        </p:txBody>
+      </p:sp>
+      <p:sp>
+        <p:nvSpPr>
+          <p:cNvPr id="30" name="TextBox 29">
+            <a:extLst>
+              <a:ext uri="{FF2B5EF4-FFF2-40B4-BE49-F238E27FC236}">
+                <a16:creationId xmlns:a16="http://schemas.microsoft.com/office/drawing/2014/main" id="{345E5BD1-B7F8-E845-BD57-E70C6A8431E3}"/>
+              </a:ext>
+            </a:extLst>
+          </p:cNvPr>
+          <p:cNvSpPr txBox="1"/>
+          <p:nvPr/>
+        </p:nvSpPr>
+        <p:spPr>
+          <a:xfrm>
+            <a:off x="4540980" y="0"/>
+            <a:ext cx="1469131" cy="299634"/>
+          </a:xfrm>
+          <a:prstGeom prst="rect">
+            <a:avLst/>
+          </a:prstGeom>
+          <a:noFill/>
+        </p:spPr>
+        <p:txBody>
+          <a:bodyPr wrap="square" rtlCol="0">
+            <a:spAutoFit/>
+          </a:bodyPr>
+          <a:lstStyle/>
+          <a:p>
+            <a:r>
+              <a:rPr lang="en-US" b="1" dirty="0"/>
+              <a:t>phiHau3 (g7/g8)</a:t>
+            </a:r>
+          </a:p>
+        </p:txBody>
+      </p:sp>
       <p:sp>
         <p:nvSpPr>
           <p:cNvPr id="33" name="TextBox 32">
@@ -3945,12 +4020,55 @@
           </a:p>
         </p:txBody>
       </p:sp>
+      <p:sp>
+        <p:nvSpPr>
+          <p:cNvPr id="46" name="TextBox 45">
+            <a:extLst>
+              <a:ext uri="{FF2B5EF4-FFF2-40B4-BE49-F238E27FC236}">
+                <a16:creationId xmlns:a16="http://schemas.microsoft.com/office/drawing/2014/main" id="{9DC62C62-968A-5449-AD7E-FCB255687CA1}"/>
+              </a:ext>
+            </a:extLst>
+          </p:cNvPr>
+          <p:cNvSpPr txBox="1"/>
+          <p:nvPr/>
+        </p:nvSpPr>
+        <p:spPr>
+          <a:xfrm>
+            <a:off x="3661534" y="2094289"/>
+            <a:ext cx="2693006" cy="299634"/>
+          </a:xfrm>
+          <a:prstGeom prst="rect">
+            <a:avLst/>
+          </a:prstGeom>
+          <a:noFill/>
+        </p:spPr>
+        <p:txBody>
+          <a:bodyPr wrap="square" rtlCol="0">
+            <a:spAutoFit/>
+          </a:bodyPr>
+          <a:lstStyle/>
+          <a:p>
+            <a:r>
+              <a:rPr lang="en-US" b="1" dirty="0"/>
+              <a:t>Streptomyces </a:t>
+            </a:r>
+            <a:r>
+              <a:rPr lang="en-US" b="1" dirty="0" err="1"/>
+              <a:t>catenulae</a:t>
+            </a:r>
+            <a:r>
+              <a:rPr lang="en-US" b="1" dirty="0"/>
+              <a:t> (g6/g7)</a:t>
+            </a:r>
+          </a:p>
+        </p:txBody>
+      </p:sp>
       <p:pic>
         <p:nvPicPr>
-          <p:cNvPr id="34" name="Picture 33">
+          <p:cNvPr id="2" name="Picture 1">
             <a:extLst>
               <a:ext uri="{FF2B5EF4-FFF2-40B4-BE49-F238E27FC236}">
-                <a16:creationId xmlns:a16="http://schemas.microsoft.com/office/drawing/2014/main" id="{0E2A651A-61C2-2346-8669-B048F8997DF3}"/>
+                <a16:creationId xmlns:a16="http://schemas.microsoft.com/office/drawing/2014/main" id="{8EDE3E78-BCC3-D542-82C4-8E728544543E}"/>
               </a:ext>
             </a:extLst>
           </p:cNvPr>
@@ -3967,57 +4085,14 @@
         </p:blipFill>
         <p:spPr>
           <a:xfrm>
-            <a:off x="3530210" y="2380810"/>
-            <a:ext cx="2824330" cy="1594652"/>
+            <a:off x="45785" y="303301"/>
+            <a:ext cx="2688806" cy="809881"/>
           </a:xfrm>
           <a:prstGeom prst="rect">
             <a:avLst/>
           </a:prstGeom>
         </p:spPr>
       </p:pic>
-      <p:sp>
-        <p:nvSpPr>
-          <p:cNvPr id="46" name="TextBox 45">
-            <a:extLst>
-              <a:ext uri="{FF2B5EF4-FFF2-40B4-BE49-F238E27FC236}">
-                <a16:creationId xmlns:a16="http://schemas.microsoft.com/office/drawing/2014/main" id="{9DC62C62-968A-5449-AD7E-FCB255687CA1}"/>
-              </a:ext>
-            </a:extLst>
-          </p:cNvPr>
-          <p:cNvSpPr txBox="1"/>
-          <p:nvPr/>
-        </p:nvSpPr>
-        <p:spPr>
-          <a:xfrm>
-            <a:off x="3661534" y="2094289"/>
-            <a:ext cx="2693006" cy="299634"/>
-          </a:xfrm>
-          <a:prstGeom prst="rect">
-            <a:avLst/>
-          </a:prstGeom>
-          <a:noFill/>
-        </p:spPr>
-        <p:txBody>
-          <a:bodyPr wrap="square" rtlCol="0">
-            <a:spAutoFit/>
-          </a:bodyPr>
-          <a:lstStyle/>
-          <a:p>
-            <a:r>
-              <a:rPr lang="en-US" b="1" dirty="0"/>
-              <a:t>Streptomyces </a:t>
-            </a:r>
-            <a:r>
-              <a:rPr lang="en-US" b="1" dirty="0" err="1"/>
-              <a:t>catenulae</a:t>
-            </a:r>
-            <a:r>
-              <a:rPr lang="en-US" b="1" dirty="0"/>
-              <a:t> (g6/g7)</a:t>
-            </a:r>
-          </a:p>
-        </p:txBody>
-      </p:sp>
     </p:spTree>
     <p:extLst>
       <p:ext uri="{BB962C8B-B14F-4D97-AF65-F5344CB8AC3E}">
